--- a/ppt.pptx
+++ b/ppt.pptx
@@ -3512,7 +3512,6 @@
           <a:p>
             <a:r>
               <a:rPr lang="en-IN" altLang="en-US" sz="4000" b="1">
-                <a:ln/>
                 <a:solidFill>
                   <a:schemeClr val="tx1"/>
                 </a:solidFill>
@@ -3527,7 +3526,6 @@
               <a:t>Basic Git Commands</a:t>
             </a:r>
             <a:endParaRPr lang="en-IN" altLang="en-US" sz="4000" b="1">
-              <a:ln/>
               <a:solidFill>
                 <a:schemeClr val="tx1"/>
               </a:solidFill>
@@ -3673,6 +3671,10 @@
             <a:endParaRPr lang="en-IN" altLang="en-US"/>
           </a:p>
           <a:p>
+            <a:r>
+              <a:rPr lang="en-IN" altLang="en-US"/>
+              <a:t> </a:t>
+            </a:r>
             <a:endParaRPr lang="en-IN" altLang="en-US"/>
           </a:p>
         </p:txBody>
@@ -3685,8 +3687,8 @@
         </p:nvSpPr>
         <p:spPr>
           <a:xfrm>
-            <a:off x="6402705" y="1625600"/>
-            <a:ext cx="5563235" cy="4523105"/>
+            <a:off x="6140450" y="1383665"/>
+            <a:ext cx="5714365" cy="5354320"/>
           </a:xfrm>
           <a:prstGeom prst="rect">
             <a:avLst/>
@@ -3755,10 +3757,18 @@
           </a:p>
           <a:p>
             <a:pPr algn="l"/>
+            <a:r>
+              <a:rPr lang="en-IN" altLang="en-US"/>
+              <a:t>  link local repo with remote repo</a:t>
+            </a:r>
             <a:endParaRPr lang="en-IN" altLang="en-US"/>
           </a:p>
           <a:p>
             <a:pPr algn="l"/>
+            <a:endParaRPr lang="en-IN" altLang="en-US"/>
+          </a:p>
+          <a:p>
+            <a:pPr algn="l"/>
             <a:r>
               <a:rPr lang="en-IN" altLang="en-US"/>
               <a:t>10.git push --set-upstream origin master</a:t>
@@ -3767,12 +3777,28 @@
           </a:p>
           <a:p>
             <a:pPr algn="l"/>
+            <a:r>
+              <a:rPr lang="en-IN" altLang="en-US"/>
+              <a:t>  when you want to push from other than master branch we</a:t>
+            </a:r>
             <a:endParaRPr lang="en-IN" altLang="en-US"/>
           </a:p>
           <a:p>
             <a:pPr algn="l"/>
             <a:r>
               <a:rPr lang="en-IN" altLang="en-US"/>
+              <a:t>  need to set upstream</a:t>
+            </a:r>
+            <a:endParaRPr lang="en-IN" altLang="en-US"/>
+          </a:p>
+          <a:p>
+            <a:pPr algn="l"/>
+            <a:endParaRPr lang="en-IN" altLang="en-US"/>
+          </a:p>
+          <a:p>
+            <a:pPr algn="l"/>
+            <a:r>
+              <a:rPr lang="en-IN" altLang="en-US"/>
               <a:t>11.git push -u origin</a:t>
             </a:r>
             <a:endParaRPr lang="en-IN" altLang="en-US"/>
@@ -3793,7 +3819,7 @@
             <a:pPr algn="l"/>
             <a:r>
               <a:rPr lang="en-IN" altLang="en-US"/>
-              <a:t> to see remote to which it is connected i.e (where to push </a:t>
+              <a:t>   to see remote to which it is connected i.e (where to push </a:t>
             </a:r>
             <a:endParaRPr lang="en-IN" altLang="en-US"/>
           </a:p>
@@ -3801,7 +3827,7 @@
             <a:pPr algn="l"/>
             <a:r>
               <a:rPr lang="en-IN" altLang="en-US"/>
-              <a:t>local to remote),(from where to fetch remote to local)</a:t>
+              <a:t>   local to remote),(from where to fetch remote to local)</a:t>
             </a:r>
             <a:endParaRPr lang="en-IN" altLang="en-US"/>
           </a:p>
